--- a/HRSystem/HR Sytem Application.pptx
+++ b/HRSystem/HR Sytem Application.pptx
@@ -5821,15 +5821,7 @@
           <a:p>
             <a:r>
               <a:rPr lang="en-US" dirty="0"/>
-              <a:t>HR </a:t>
-            </a:r>
-            <a:r>
-              <a:rPr lang="en-US" dirty="0" err="1"/>
-              <a:t>Sytem</a:t>
-            </a:r>
-            <a:r>
-              <a:rPr lang="en-US" dirty="0"/>
-              <a:t> Application</a:t>
+              <a:t>HR System Application</a:t>
             </a:r>
           </a:p>
         </p:txBody>
@@ -6335,7 +6327,7 @@
               <a:t> </a:t>
             </a:r>
             <a:r>
-              <a:rPr lang="en-US"/>
+              <a:rPr lang="en-US" dirty="0" err="1"/>
               <a:t>Masuk</a:t>
             </a:r>
             <a:endParaRPr lang="en-US" dirty="0"/>
